--- a/20191009_ace_presentation.pptx
+++ b/20191009_ace_presentation.pptx
@@ -4973,7 +4973,7 @@
         </p:blipFill>
         <p:spPr>
           <a:xfrm>
-            <a:off x="347472" y="762000"/>
+            <a:off x="347472" y="990600"/>
             <a:ext cx="8458200" cy="5181600"/>
           </a:xfrm>
         </p:spPr>
@@ -5009,10 +5009,10 @@
         </p:nvGrpSpPr>
         <p:grpSpPr>
           <a:xfrm>
-            <a:off x="990600" y="1295400"/>
-            <a:ext cx="5410200" cy="3687128"/>
+            <a:off x="990600" y="1494472"/>
+            <a:ext cx="5410200" cy="4148792"/>
             <a:chOff x="990600" y="1295400"/>
-            <a:chExt cx="5410200" cy="3687128"/>
+            <a:chExt cx="5410200" cy="4148792"/>
           </a:xfrm>
         </p:grpSpPr>
         <p:sp>
@@ -5067,7 +5067,7 @@
           <p:spPr>
             <a:xfrm>
               <a:off x="990600" y="3505200"/>
-              <a:ext cx="5410200" cy="1477328"/>
+              <a:ext cx="5410200" cy="1938992"/>
             </a:xfrm>
             <a:prstGeom prst="rect">
               <a:avLst/>
@@ -5094,36 +5094,74 @@
             </a:bodyPr>
             <a:lstStyle/>
             <a:p>
+              <a:pPr algn="ctr"/>
               <a:r>
                 <a:rPr lang="en-US" b="1" dirty="0" smtClean="0"/>
-                <a:t>Total reviews	776	Total negative	54</a:t>
+                <a:t>Total reviews	776</a:t>
+              </a:r>
+            </a:p>
+            <a:p>
+              <a:pPr algn="ctr"/>
+              <a:r>
+                <a:rPr lang="en-US" b="1" dirty="0"/>
+                <a:t>Total negative	  56</a:t>
+              </a:r>
+              <a:r>
+                <a:rPr lang="en-US" b="1" dirty="0" smtClean="0"/>
+                <a:t>	</a:t>
               </a:r>
             </a:p>
             <a:p>
               <a:r>
+                <a:rPr lang="en-US" dirty="0"/>
+                <a:t>Cleanliness	32</a:t>
+              </a:r>
+              <a:r>
                 <a:rPr lang="en-US" dirty="0" smtClean="0"/>
-                <a:t>Condition	33	Cleanliness	18</a:t>
+                <a:t>%	</a:t>
               </a:r>
+              <a:r>
+                <a:rPr lang="en-US" dirty="0"/>
+                <a:t>Size		23%</a:t>
+              </a:r>
+              <a:endParaRPr lang="en-US" dirty="0" smtClean="0"/>
             </a:p>
             <a:p>
               <a:r>
                 <a:rPr lang="en-US" dirty="0" smtClean="0"/>
-                <a:t>Noise		10	Reservation	10</a:t>
+                <a:t>Condition	63%	</a:t>
               </a:r>
+              <a:r>
+                <a:rPr lang="en-US" dirty="0"/>
+                <a:t>Staff		</a:t>
+              </a:r>
+              <a:r>
+                <a:rPr lang="en-US" dirty="0" smtClean="0"/>
+                <a:t>63%</a:t>
+              </a:r>
+              <a:endParaRPr lang="en-US" dirty="0"/>
             </a:p>
             <a:p>
               <a:r>
                 <a:rPr lang="en-US" dirty="0" smtClean="0"/>
-                <a:t>Size		13	Staff		33</a:t>
+                <a:t>Noise		18%	</a:t>
               </a:r>
+              <a:r>
+                <a:rPr lang="en-US" dirty="0"/>
+                <a:t>Value		29%</a:t>
+              </a:r>
+              <a:endParaRPr lang="en-US" dirty="0" smtClean="0"/>
             </a:p>
             <a:p>
               <a:r>
                 <a:rPr lang="en-US" dirty="0" smtClean="0"/>
-                <a:t>Value		16	</a:t>
+                <a:t>Reservation	18%</a:t>
               </a:r>
+            </a:p>
+            <a:p>
+              <a:pPr algn="ctr"/>
               <a:r>
-                <a:rPr lang="en-US" baseline="-25000" dirty="0" smtClean="0"/>
+                <a:rPr lang="en-US" sz="1200" dirty="0" smtClean="0"/>
                 <a:t>Consolidated Hotels International</a:t>
               </a:r>
             </a:p>
@@ -5339,8 +5377,8 @@
         </p:nvSpPr>
         <p:spPr>
           <a:xfrm>
-            <a:off x="533400" y="3352800"/>
-            <a:ext cx="2514600" cy="2769989"/>
+            <a:off x="419100" y="3352800"/>
+            <a:ext cx="2590800" cy="2769989"/>
           </a:xfrm>
           <a:prstGeom prst="rect">
             <a:avLst/>
@@ -5369,13 +5407,13 @@
           <a:p>
             <a:r>
               <a:rPr lang="en-US" b="1" dirty="0" smtClean="0"/>
-              <a:t>Total reviews	269</a:t>
+              <a:t>Total reviews	 269</a:t>
             </a:r>
           </a:p>
           <a:p>
             <a:r>
               <a:rPr lang="en-US" b="1" dirty="0" smtClean="0"/>
-              <a:t>Total negative	  25</a:t>
+              <a:t>Total negative	   25</a:t>
             </a:r>
           </a:p>
           <a:p>
@@ -5437,7 +5475,7 @@
         </p:nvSpPr>
         <p:spPr>
           <a:xfrm>
-            <a:off x="457200" y="1066800"/>
+            <a:off x="381000" y="1066800"/>
             <a:ext cx="2667000" cy="2057400"/>
           </a:xfrm>
           <a:prstGeom prst="roundRect">
@@ -5480,7 +5518,7 @@
         </p:nvSpPr>
         <p:spPr>
           <a:xfrm>
-            <a:off x="5943600" y="1066800"/>
+            <a:off x="6019800" y="1066800"/>
             <a:ext cx="2667000" cy="2057400"/>
           </a:xfrm>
           <a:prstGeom prst="roundRect">
@@ -5523,8 +5561,8 @@
         </p:nvSpPr>
         <p:spPr>
           <a:xfrm>
-            <a:off x="3276600" y="3352800"/>
-            <a:ext cx="2514600" cy="2769989"/>
+            <a:off x="3238500" y="3352800"/>
+            <a:ext cx="2590800" cy="2769989"/>
           </a:xfrm>
           <a:prstGeom prst="rect">
             <a:avLst/>
@@ -5553,62 +5591,160 @@
           <a:p>
             <a:r>
               <a:rPr lang="en-US" b="1" dirty="0" smtClean="0"/>
-              <a:t>Total reviews	269</a:t>
+              <a:t>Total reviews	  225</a:t>
             </a:r>
           </a:p>
           <a:p>
             <a:r>
               <a:rPr lang="en-US" b="1" dirty="0" smtClean="0"/>
-              <a:t>Total negative	  25</a:t>
-            </a:r>
-          </a:p>
-          <a:p>
-            <a:r>
-              <a:rPr lang="en-US" dirty="0" smtClean="0"/>
-              <a:t>Condition	52%</a:t>
-            </a:r>
-          </a:p>
-          <a:p>
-            <a:r>
-              <a:rPr lang="en-US" dirty="0" smtClean="0"/>
-              <a:t>Cleanliness	40%</a:t>
-            </a:r>
-          </a:p>
-          <a:p>
-            <a:r>
-              <a:rPr lang="en-US" dirty="0" smtClean="0"/>
-              <a:t>Noise		24%</a:t>
-            </a:r>
-          </a:p>
-          <a:p>
-            <a:r>
-              <a:rPr lang="en-US" dirty="0" smtClean="0"/>
-              <a:t>Reservation	  8%</a:t>
-            </a:r>
-          </a:p>
-          <a:p>
-            <a:r>
-              <a:rPr lang="en-US" dirty="0" smtClean="0"/>
-              <a:t>Size		20%</a:t>
-            </a:r>
-          </a:p>
-          <a:p>
-            <a:r>
-              <a:rPr lang="en-US" dirty="0" smtClean="0"/>
-              <a:t>Staff		60%</a:t>
-            </a:r>
-          </a:p>
-          <a:p>
-            <a:r>
-              <a:rPr lang="en-US" dirty="0" smtClean="0"/>
-              <a:t>Value		36%</a:t>
+              <a:t>Total negative	    15</a:t>
+            </a:r>
+          </a:p>
+          <a:p>
+            <a:r>
+              <a:rPr lang="en-US" dirty="0" smtClean="0"/>
+              <a:t>Condition	  93%</a:t>
+            </a:r>
+          </a:p>
+          <a:p>
+            <a:r>
+              <a:rPr lang="en-US" dirty="0" smtClean="0"/>
+              <a:t>Cleanliness	  27%</a:t>
+            </a:r>
+          </a:p>
+          <a:p>
+            <a:r>
+              <a:rPr lang="en-US" dirty="0" smtClean="0"/>
+              <a:t>Noise		  13%</a:t>
+            </a:r>
+          </a:p>
+          <a:p>
+            <a:r>
+              <a:rPr lang="en-US" dirty="0" smtClean="0"/>
+              <a:t>Reservation	  27%</a:t>
+            </a:r>
+          </a:p>
+          <a:p>
+            <a:r>
+              <a:rPr lang="en-US" dirty="0" smtClean="0"/>
+              <a:t>Size		  27%</a:t>
+            </a:r>
+          </a:p>
+          <a:p>
+            <a:r>
+              <a:rPr lang="en-US" dirty="0" smtClean="0"/>
+              <a:t>Staff		  73%</a:t>
+            </a:r>
+          </a:p>
+          <a:p>
+            <a:r>
+              <a:rPr lang="en-US" dirty="0" smtClean="0"/>
+              <a:t>Value		  40%</a:t>
             </a:r>
           </a:p>
           <a:p>
             <a:pPr algn="r"/>
             <a:r>
               <a:rPr lang="en-US" baseline="-25000" dirty="0" smtClean="0"/>
-              <a:t>Silver</a:t>
+              <a:t>Gold</a:t>
+            </a:r>
+          </a:p>
+        </p:txBody>
+      </p:sp>
+      <p:sp>
+        <p:nvSpPr>
+          <p:cNvPr id="19" name="TextBox 18"/>
+          <p:cNvSpPr txBox="1"/>
+          <p:nvPr/>
+        </p:nvSpPr>
+        <p:spPr>
+          <a:xfrm>
+            <a:off x="6057900" y="3352800"/>
+            <a:ext cx="2590800" cy="2769989"/>
+          </a:xfrm>
+          <a:prstGeom prst="rect">
+            <a:avLst/>
+          </a:prstGeom>
+          <a:ln w="38100" cmpd="sng"/>
+        </p:spPr>
+        <p:style>
+          <a:lnRef idx="2">
+            <a:schemeClr val="dk1"/>
+          </a:lnRef>
+          <a:fillRef idx="1">
+            <a:schemeClr val="lt1"/>
+          </a:fillRef>
+          <a:effectRef idx="0">
+            <a:schemeClr val="dk1"/>
+          </a:effectRef>
+          <a:fontRef idx="minor">
+            <a:schemeClr val="dk1"/>
+          </a:fontRef>
+        </p:style>
+        <p:txBody>
+          <a:bodyPr wrap="square" rtlCol="0">
+            <a:spAutoFit/>
+          </a:bodyPr>
+          <a:lstStyle/>
+          <a:p>
+            <a:r>
+              <a:rPr lang="en-US" b="1" dirty="0" smtClean="0"/>
+              <a:t>Total reviews	  113</a:t>
+            </a:r>
+          </a:p>
+          <a:p>
+            <a:r>
+              <a:rPr lang="en-US" b="1" dirty="0" smtClean="0"/>
+              <a:t>Total negative	      7</a:t>
+            </a:r>
+          </a:p>
+          <a:p>
+            <a:r>
+              <a:rPr lang="en-US" dirty="0" smtClean="0"/>
+              <a:t>Condition	  57%</a:t>
+            </a:r>
+          </a:p>
+          <a:p>
+            <a:r>
+              <a:rPr lang="en-US" dirty="0" smtClean="0"/>
+              <a:t>Cleanliness	  14%</a:t>
+            </a:r>
+          </a:p>
+          <a:p>
+            <a:r>
+              <a:rPr lang="en-US" dirty="0" smtClean="0"/>
+              <a:t>Noise		    0%</a:t>
+            </a:r>
+          </a:p>
+          <a:p>
+            <a:r>
+              <a:rPr lang="en-US" dirty="0" smtClean="0"/>
+              <a:t>Reservation	  14%</a:t>
+            </a:r>
+          </a:p>
+          <a:p>
+            <a:r>
+              <a:rPr lang="en-US" dirty="0" smtClean="0"/>
+              <a:t>Size		  14%</a:t>
+            </a:r>
+          </a:p>
+          <a:p>
+            <a:r>
+              <a:rPr lang="en-US" dirty="0" smtClean="0"/>
+              <a:t>Staff		  57%</a:t>
+            </a:r>
+          </a:p>
+          <a:p>
+            <a:r>
+              <a:rPr lang="en-US" dirty="0" smtClean="0"/>
+              <a:t>Value		  29%</a:t>
+            </a:r>
+          </a:p>
+          <a:p>
+            <a:pPr algn="r"/>
+            <a:r>
+              <a:rPr lang="en-US" baseline="-25000" dirty="0" smtClean="0"/>
+              <a:t>Platinum</a:t>
             </a:r>
           </a:p>
         </p:txBody>
@@ -5626,9 +5762,256 @@
   <p:timing>
     <p:tnLst>
       <p:par>
-        <p:cTn xmlns:p14="http://schemas.microsoft.com/office/powerpoint/2010/main" id="1" dur="indefinite" restart="never" nodeType="tmRoot"/>
+        <p:cTn xmlns:p14="http://schemas.microsoft.com/office/powerpoint/2010/main" id="1" dur="indefinite" restart="never" nodeType="tmRoot">
+          <p:childTnLst>
+            <p:seq concurrent="1" nextAc="seek">
+              <p:cTn id="2" dur="indefinite" nodeType="mainSeq">
+                <p:childTnLst>
+                  <p:par>
+                    <p:cTn id="3" fill="hold">
+                      <p:stCondLst>
+                        <p:cond delay="indefinite"/>
+                      </p:stCondLst>
+                      <p:childTnLst>
+                        <p:par>
+                          <p:cTn id="4" fill="hold">
+                            <p:stCondLst>
+                              <p:cond delay="0"/>
+                            </p:stCondLst>
+                            <p:childTnLst>
+                              <p:par>
+                                <p:cTn id="5" presetID="1" presetClass="entr" presetSubtype="0" fill="hold" grpId="0" nodeType="clickEffect">
+                                  <p:stCondLst>
+                                    <p:cond delay="0"/>
+                                  </p:stCondLst>
+                                  <p:childTnLst>
+                                    <p:set>
+                                      <p:cBhvr>
+                                        <p:cTn id="6" dur="1" fill="hold">
+                                          <p:stCondLst>
+                                            <p:cond delay="0"/>
+                                          </p:stCondLst>
+                                        </p:cTn>
+                                        <p:tgtEl>
+                                          <p:spTgt spid="10"/>
+                                        </p:tgtEl>
+                                        <p:attrNameLst>
+                                          <p:attrName>style.visibility</p:attrName>
+                                        </p:attrNameLst>
+                                      </p:cBhvr>
+                                      <p:to>
+                                        <p:strVal val="visible"/>
+                                      </p:to>
+                                    </p:set>
+                                  </p:childTnLst>
+                                </p:cTn>
+                              </p:par>
+                              <p:par>
+                                <p:cTn id="7" presetID="1" presetClass="entr" presetSubtype="0" fill="hold" grpId="0" nodeType="withEffect">
+                                  <p:stCondLst>
+                                    <p:cond delay="0"/>
+                                  </p:stCondLst>
+                                  <p:childTnLst>
+                                    <p:set>
+                                      <p:cBhvr>
+                                        <p:cTn id="8" dur="1" fill="hold">
+                                          <p:stCondLst>
+                                            <p:cond delay="0"/>
+                                          </p:stCondLst>
+                                        </p:cTn>
+                                        <p:tgtEl>
+                                          <p:spTgt spid="14"/>
+                                        </p:tgtEl>
+                                        <p:attrNameLst>
+                                          <p:attrName>style.visibility</p:attrName>
+                                        </p:attrNameLst>
+                                      </p:cBhvr>
+                                      <p:to>
+                                        <p:strVal val="visible"/>
+                                      </p:to>
+                                    </p:set>
+                                  </p:childTnLst>
+                                </p:cTn>
+                              </p:par>
+                            </p:childTnLst>
+                          </p:cTn>
+                        </p:par>
+                      </p:childTnLst>
+                    </p:cTn>
+                  </p:par>
+                  <p:par>
+                    <p:cTn id="9" fill="hold">
+                      <p:stCondLst>
+                        <p:cond delay="indefinite"/>
+                      </p:stCondLst>
+                      <p:childTnLst>
+                        <p:par>
+                          <p:cTn id="10" fill="hold">
+                            <p:stCondLst>
+                              <p:cond delay="0"/>
+                            </p:stCondLst>
+                            <p:childTnLst>
+                              <p:par>
+                                <p:cTn id="11" presetID="1" presetClass="entr" presetSubtype="0" fill="hold" grpId="0" nodeType="clickEffect">
+                                  <p:stCondLst>
+                                    <p:cond delay="0"/>
+                                  </p:stCondLst>
+                                  <p:childTnLst>
+                                    <p:set>
+                                      <p:cBhvr>
+                                        <p:cTn id="12" dur="1" fill="hold">
+                                          <p:stCondLst>
+                                            <p:cond delay="0"/>
+                                          </p:stCondLst>
+                                        </p:cTn>
+                                        <p:tgtEl>
+                                          <p:spTgt spid="6"/>
+                                        </p:tgtEl>
+                                        <p:attrNameLst>
+                                          <p:attrName>style.visibility</p:attrName>
+                                        </p:attrNameLst>
+                                      </p:cBhvr>
+                                      <p:to>
+                                        <p:strVal val="visible"/>
+                                      </p:to>
+                                    </p:set>
+                                  </p:childTnLst>
+                                </p:cTn>
+                              </p:par>
+                              <p:par>
+                                <p:cTn id="13" presetID="1" presetClass="entr" presetSubtype="0" fill="hold" grpId="0" nodeType="withEffect">
+                                  <p:stCondLst>
+                                    <p:cond delay="0"/>
+                                  </p:stCondLst>
+                                  <p:childTnLst>
+                                    <p:set>
+                                      <p:cBhvr>
+                                        <p:cTn id="14" dur="1" fill="hold">
+                                          <p:stCondLst>
+                                            <p:cond delay="0"/>
+                                          </p:stCondLst>
+                                        </p:cTn>
+                                        <p:tgtEl>
+                                          <p:spTgt spid="18"/>
+                                        </p:tgtEl>
+                                        <p:attrNameLst>
+                                          <p:attrName>style.visibility</p:attrName>
+                                        </p:attrNameLst>
+                                      </p:cBhvr>
+                                      <p:to>
+                                        <p:strVal val="visible"/>
+                                      </p:to>
+                                    </p:set>
+                                  </p:childTnLst>
+                                </p:cTn>
+                              </p:par>
+                            </p:childTnLst>
+                          </p:cTn>
+                        </p:par>
+                      </p:childTnLst>
+                    </p:cTn>
+                  </p:par>
+                  <p:par>
+                    <p:cTn id="15" fill="hold">
+                      <p:stCondLst>
+                        <p:cond delay="indefinite"/>
+                      </p:stCondLst>
+                      <p:childTnLst>
+                        <p:par>
+                          <p:cTn id="16" fill="hold">
+                            <p:stCondLst>
+                              <p:cond delay="0"/>
+                            </p:stCondLst>
+                            <p:childTnLst>
+                              <p:par>
+                                <p:cTn id="17" presetID="1" presetClass="entr" presetSubtype="0" fill="hold" grpId="0" nodeType="clickEffect">
+                                  <p:stCondLst>
+                                    <p:cond delay="0"/>
+                                  </p:stCondLst>
+                                  <p:childTnLst>
+                                    <p:set>
+                                      <p:cBhvr>
+                                        <p:cTn id="18" dur="1" fill="hold">
+                                          <p:stCondLst>
+                                            <p:cond delay="0"/>
+                                          </p:stCondLst>
+                                        </p:cTn>
+                                        <p:tgtEl>
+                                          <p:spTgt spid="15"/>
+                                        </p:tgtEl>
+                                        <p:attrNameLst>
+                                          <p:attrName>style.visibility</p:attrName>
+                                        </p:attrNameLst>
+                                      </p:cBhvr>
+                                      <p:to>
+                                        <p:strVal val="visible"/>
+                                      </p:to>
+                                    </p:set>
+                                  </p:childTnLst>
+                                </p:cTn>
+                              </p:par>
+                              <p:par>
+                                <p:cTn id="19" presetID="1" presetClass="entr" presetSubtype="0" fill="hold" grpId="0" nodeType="withEffect">
+                                  <p:stCondLst>
+                                    <p:cond delay="0"/>
+                                  </p:stCondLst>
+                                  <p:childTnLst>
+                                    <p:set>
+                                      <p:cBhvr>
+                                        <p:cTn id="20" dur="1" fill="hold">
+                                          <p:stCondLst>
+                                            <p:cond delay="0"/>
+                                          </p:stCondLst>
+                                        </p:cTn>
+                                        <p:tgtEl>
+                                          <p:spTgt spid="19"/>
+                                        </p:tgtEl>
+                                        <p:attrNameLst>
+                                          <p:attrName>style.visibility</p:attrName>
+                                        </p:attrNameLst>
+                                      </p:cBhvr>
+                                      <p:to>
+                                        <p:strVal val="visible"/>
+                                      </p:to>
+                                    </p:set>
+                                  </p:childTnLst>
+                                </p:cTn>
+                              </p:par>
+                            </p:childTnLst>
+                          </p:cTn>
+                        </p:par>
+                      </p:childTnLst>
+                    </p:cTn>
+                  </p:par>
+                </p:childTnLst>
+              </p:cTn>
+              <p:prevCondLst>
+                <p:cond evt="onPrev" delay="0">
+                  <p:tgtEl>
+                    <p:sldTgt/>
+                  </p:tgtEl>
+                </p:cond>
+              </p:prevCondLst>
+              <p:nextCondLst>
+                <p:cond evt="onNext" delay="0">
+                  <p:tgtEl>
+                    <p:sldTgt/>
+                  </p:tgtEl>
+                </p:cond>
+              </p:nextCondLst>
+            </p:seq>
+          </p:childTnLst>
+        </p:cTn>
       </p:par>
     </p:tnLst>
+    <p:bldLst>
+      <p:bldP spid="6" grpId="0" animBg="1"/>
+      <p:bldP spid="10" grpId="0" animBg="1"/>
+      <p:bldP spid="14" grpId="0" animBg="1"/>
+      <p:bldP spid="15" grpId="0" animBg="1"/>
+      <p:bldP spid="18" grpId="0" animBg="1"/>
+      <p:bldP spid="19" grpId="0" animBg="1"/>
+    </p:bldLst>
   </p:timing>
 </p:sld>
 </file>
@@ -5675,7 +6058,7 @@
         </p:blipFill>
         <p:spPr>
           <a:xfrm>
-            <a:off x="347472" y="381000"/>
+            <a:off x="347472" y="838200"/>
             <a:ext cx="8458200" cy="5181600"/>
           </a:xfrm>
         </p:spPr>
@@ -5703,6 +6086,158 @@
           </a:p>
         </p:txBody>
       </p:sp>
+      <p:sp>
+        <p:nvSpPr>
+          <p:cNvPr id="5" name="Rounded Rectangle 4"/>
+          <p:cNvSpPr/>
+          <p:nvPr/>
+        </p:nvSpPr>
+        <p:spPr>
+          <a:xfrm>
+            <a:off x="4648200" y="1371600"/>
+            <a:ext cx="2057400" cy="2057400"/>
+          </a:xfrm>
+          <a:prstGeom prst="roundRect">
+            <a:avLst/>
+          </a:prstGeom>
+          <a:noFill/>
+          <a:ln/>
+        </p:spPr>
+        <p:style>
+          <a:lnRef idx="2">
+            <a:schemeClr val="accent4"/>
+          </a:lnRef>
+          <a:fillRef idx="1">
+            <a:schemeClr val="lt1"/>
+          </a:fillRef>
+          <a:effectRef idx="0">
+            <a:schemeClr val="accent4"/>
+          </a:effectRef>
+          <a:fontRef idx="minor">
+            <a:schemeClr val="dk1"/>
+          </a:fontRef>
+        </p:style>
+        <p:txBody>
+          <a:bodyPr rtlCol="0" anchor="ctr"/>
+          <a:lstStyle/>
+          <a:p>
+            <a:pPr algn="ctr"/>
+            <a:endParaRPr lang="en-US" sz="2400" dirty="0" smtClean="0">
+              <a:latin typeface="Century Gothic"/>
+              <a:cs typeface="Century Gothic"/>
+            </a:endParaRPr>
+          </a:p>
+        </p:txBody>
+      </p:sp>
+      <p:sp>
+        <p:nvSpPr>
+          <p:cNvPr id="6" name="TextBox 5"/>
+          <p:cNvSpPr txBox="1"/>
+          <p:nvPr/>
+        </p:nvSpPr>
+        <p:spPr>
+          <a:xfrm>
+            <a:off x="2971800" y="3657600"/>
+            <a:ext cx="5410200" cy="1938992"/>
+          </a:xfrm>
+          <a:prstGeom prst="rect">
+            <a:avLst/>
+          </a:prstGeom>
+          <a:ln w="38100" cmpd="sng"/>
+        </p:spPr>
+        <p:style>
+          <a:lnRef idx="2">
+            <a:schemeClr val="dk1"/>
+          </a:lnRef>
+          <a:fillRef idx="1">
+            <a:schemeClr val="lt1"/>
+          </a:fillRef>
+          <a:effectRef idx="0">
+            <a:schemeClr val="dk1"/>
+          </a:effectRef>
+          <a:fontRef idx="minor">
+            <a:schemeClr val="dk1"/>
+          </a:fontRef>
+        </p:style>
+        <p:txBody>
+          <a:bodyPr wrap="square" rtlCol="0">
+            <a:spAutoFit/>
+          </a:bodyPr>
+          <a:lstStyle/>
+          <a:p>
+            <a:pPr algn="ctr"/>
+            <a:r>
+              <a:rPr lang="en-US" b="1" dirty="0" smtClean="0"/>
+              <a:t>Total reviews	  80	</a:t>
+            </a:r>
+          </a:p>
+          <a:p>
+            <a:pPr algn="ctr"/>
+            <a:r>
+              <a:rPr lang="en-US" b="1" dirty="0" smtClean="0"/>
+              <a:t>Total negative	  11</a:t>
+            </a:r>
+          </a:p>
+          <a:p>
+            <a:r>
+              <a:rPr lang="en-US" dirty="0"/>
+              <a:t>Cleanliness	36</a:t>
+            </a:r>
+            <a:r>
+              <a:rPr lang="en-US" dirty="0" smtClean="0"/>
+              <a:t>%	</a:t>
+            </a:r>
+            <a:r>
+              <a:rPr lang="en-US" dirty="0"/>
+              <a:t>Size	</a:t>
+            </a:r>
+            <a:r>
+              <a:rPr lang="en-US" dirty="0" smtClean="0"/>
+              <a:t>	27</a:t>
+            </a:r>
+            <a:r>
+              <a:rPr lang="en-US" dirty="0"/>
+              <a:t>%</a:t>
+            </a:r>
+            <a:endParaRPr lang="en-US" dirty="0" smtClean="0"/>
+          </a:p>
+          <a:p>
+            <a:r>
+              <a:rPr lang="en-US" dirty="0" smtClean="0"/>
+              <a:t>Condition	64%	</a:t>
+            </a:r>
+            <a:r>
+              <a:rPr lang="en-US" dirty="0"/>
+              <a:t>Staff		36%</a:t>
+            </a:r>
+            <a:endParaRPr lang="en-US" dirty="0" smtClean="0"/>
+          </a:p>
+          <a:p>
+            <a:r>
+              <a:rPr lang="en-US" dirty="0" smtClean="0"/>
+              <a:t>Noise		18%	</a:t>
+            </a:r>
+            <a:r>
+              <a:rPr lang="en-US" dirty="0"/>
+              <a:t>Value		  9%</a:t>
+            </a:r>
+            <a:endParaRPr lang="en-US" dirty="0" smtClean="0"/>
+          </a:p>
+          <a:p>
+            <a:r>
+              <a:rPr lang="en-US" dirty="0" smtClean="0"/>
+              <a:t>Reservation	  9%</a:t>
+            </a:r>
+          </a:p>
+          <a:p>
+            <a:pPr algn="ctr"/>
+            <a:r>
+              <a:rPr lang="en-US" sz="1200" dirty="0" smtClean="0"/>
+              <a:t>Consolidated Hotels International</a:t>
+            </a:r>
+          </a:p>
+        </p:txBody>
+      </p:sp>
     </p:spTree>
     <p:extLst>
       <p:ext uri="{BB962C8B-B14F-4D97-AF65-F5344CB8AC3E}">
@@ -5716,9 +6251,108 @@
   <p:timing>
     <p:tnLst>
       <p:par>
-        <p:cTn xmlns:p14="http://schemas.microsoft.com/office/powerpoint/2010/main" id="1" dur="indefinite" restart="never" nodeType="tmRoot"/>
+        <p:cTn xmlns:p14="http://schemas.microsoft.com/office/powerpoint/2010/main" id="1" dur="indefinite" restart="never" nodeType="tmRoot">
+          <p:childTnLst>
+            <p:seq concurrent="1" nextAc="seek">
+              <p:cTn id="2" dur="indefinite" nodeType="mainSeq">
+                <p:childTnLst>
+                  <p:par>
+                    <p:cTn id="3" fill="hold">
+                      <p:stCondLst>
+                        <p:cond delay="indefinite"/>
+                      </p:stCondLst>
+                      <p:childTnLst>
+                        <p:par>
+                          <p:cTn id="4" fill="hold">
+                            <p:stCondLst>
+                              <p:cond delay="0"/>
+                            </p:stCondLst>
+                            <p:childTnLst>
+                              <p:par>
+                                <p:cTn id="5" presetID="1" presetClass="entr" presetSubtype="0" fill="hold" grpId="0" nodeType="clickEffect">
+                                  <p:stCondLst>
+                                    <p:cond delay="0"/>
+                                  </p:stCondLst>
+                                  <p:childTnLst>
+                                    <p:set>
+                                      <p:cBhvr>
+                                        <p:cTn id="6" dur="1" fill="hold">
+                                          <p:stCondLst>
+                                            <p:cond delay="0"/>
+                                          </p:stCondLst>
+                                        </p:cTn>
+                                        <p:tgtEl>
+                                          <p:spTgt spid="5"/>
+                                        </p:tgtEl>
+                                        <p:attrNameLst>
+                                          <p:attrName>style.visibility</p:attrName>
+                                        </p:attrNameLst>
+                                      </p:cBhvr>
+                                      <p:to>
+                                        <p:strVal val="visible"/>
+                                      </p:to>
+                                    </p:set>
+                                  </p:childTnLst>
+                                </p:cTn>
+                              </p:par>
+                              <p:par>
+                                <p:cTn id="7" presetID="1" presetClass="entr" presetSubtype="0" fill="hold" grpId="0" nodeType="withEffect">
+                                  <p:stCondLst>
+                                    <p:cond delay="0"/>
+                                  </p:stCondLst>
+                                  <p:childTnLst>
+                                    <p:set>
+                                      <p:cBhvr>
+                                        <p:cTn id="8" dur="1" fill="hold">
+                                          <p:stCondLst>
+                                            <p:cond delay="0"/>
+                                          </p:stCondLst>
+                                        </p:cTn>
+                                        <p:tgtEl>
+                                          <p:spTgt spid="6"/>
+                                        </p:tgtEl>
+                                        <p:attrNameLst>
+                                          <p:attrName>style.visibility</p:attrName>
+                                        </p:attrNameLst>
+                                      </p:cBhvr>
+                                      <p:to>
+                                        <p:strVal val="visible"/>
+                                      </p:to>
+                                    </p:set>
+                                  </p:childTnLst>
+                                </p:cTn>
+                              </p:par>
+                            </p:childTnLst>
+                          </p:cTn>
+                        </p:par>
+                      </p:childTnLst>
+                    </p:cTn>
+                  </p:par>
+                </p:childTnLst>
+              </p:cTn>
+              <p:prevCondLst>
+                <p:cond evt="onPrev" delay="0">
+                  <p:tgtEl>
+                    <p:sldTgt/>
+                  </p:tgtEl>
+                </p:cond>
+              </p:prevCondLst>
+              <p:nextCondLst>
+                <p:cond evt="onNext" delay="0">
+                  <p:tgtEl>
+                    <p:sldTgt/>
+                  </p:tgtEl>
+                </p:cond>
+              </p:nextCondLst>
+            </p:seq>
+          </p:childTnLst>
+        </p:cTn>
       </p:par>
     </p:tnLst>
+    <p:bldLst>
+      <p:bldP spid="5" grpId="0" animBg="1"/>
+      <p:bldP spid="6" grpId="0" animBg="1"/>
+    </p:bldLst>
   </p:timing>
 </p:sld>
 </file>
@@ -5752,10 +6386,127 @@
         </p:nvSpPr>
         <p:spPr/>
         <p:txBody>
-          <a:bodyPr/>
+          <a:bodyPr>
+            <a:normAutofit fontScale="92500" lnSpcReduction="10000"/>
+          </a:bodyPr>
           <a:lstStyle/>
           <a:p>
-            <a:endParaRPr lang="en-US"/>
+            <a:r>
+              <a:rPr lang="en-US" dirty="0" smtClean="0"/>
+              <a:t>Customer reviews</a:t>
+            </a:r>
+          </a:p>
+          <a:p>
+            <a:pPr lvl="1"/>
+            <a:r>
+              <a:rPr lang="en-US" dirty="0" smtClean="0"/>
+              <a:t>Add more sources to collect review data from all channels </a:t>
+            </a:r>
+            <a:r>
+              <a:rPr lang="mr-IN" dirty="0" smtClean="0"/>
+              <a:t>–</a:t>
+            </a:r>
+            <a:r>
+              <a:rPr lang="en-US" dirty="0" smtClean="0"/>
+              <a:t> </a:t>
+            </a:r>
+            <a:r>
+              <a:rPr lang="en-US" dirty="0"/>
+              <a:t>F</a:t>
+            </a:r>
+            <a:r>
+              <a:rPr lang="en-US" dirty="0" smtClean="0"/>
+              <a:t>acebook, Yelp, etc.</a:t>
+            </a:r>
+          </a:p>
+          <a:p>
+            <a:pPr lvl="1"/>
+            <a:endParaRPr lang="en-US" dirty="0"/>
+          </a:p>
+          <a:p>
+            <a:r>
+              <a:rPr lang="en-US" dirty="0" err="1" smtClean="0"/>
+              <a:t>Touchpoints</a:t>
+            </a:r>
+            <a:endParaRPr lang="en-US" dirty="0" smtClean="0"/>
+          </a:p>
+          <a:p>
+            <a:pPr lvl="1"/>
+            <a:r>
+              <a:rPr lang="en-US" dirty="0" smtClean="0"/>
+              <a:t>Reservation system surveys/reviews</a:t>
+            </a:r>
+          </a:p>
+          <a:p>
+            <a:pPr lvl="1"/>
+            <a:r>
+              <a:rPr lang="en-US" dirty="0" smtClean="0"/>
+              <a:t>In-hotel reviews</a:t>
+            </a:r>
+          </a:p>
+          <a:p>
+            <a:pPr lvl="1"/>
+            <a:r>
+              <a:rPr lang="en-US" dirty="0" smtClean="0"/>
+              <a:t>Reach out to loyalty members</a:t>
+            </a:r>
+            <a:endParaRPr lang="en-US" dirty="0"/>
+          </a:p>
+          <a:p>
+            <a:pPr lvl="1"/>
+            <a:endParaRPr lang="en-US" dirty="0"/>
+          </a:p>
+          <a:p>
+            <a:r>
+              <a:rPr lang="en-US" dirty="0" smtClean="0"/>
+              <a:t>Categorization</a:t>
+            </a:r>
+          </a:p>
+          <a:p>
+            <a:pPr lvl="1"/>
+            <a:r>
+              <a:rPr lang="en-US" dirty="0" smtClean="0"/>
+              <a:t>7 categories currently identified</a:t>
+            </a:r>
+          </a:p>
+          <a:p>
+            <a:pPr lvl="1"/>
+            <a:r>
+              <a:rPr lang="en-US" dirty="0" err="1" smtClean="0"/>
+              <a:t>Clarabridge</a:t>
+            </a:r>
+            <a:r>
+              <a:rPr lang="en-US" dirty="0" smtClean="0"/>
+              <a:t> pre-built industry models and AI to further refine</a:t>
+            </a:r>
+          </a:p>
+          <a:p>
+            <a:pPr lvl="1"/>
+            <a:endParaRPr lang="en-US" dirty="0"/>
+          </a:p>
+          <a:p>
+            <a:r>
+              <a:rPr lang="en-US" dirty="0" smtClean="0"/>
+              <a:t>Dashboards</a:t>
+            </a:r>
+          </a:p>
+          <a:p>
+            <a:pPr lvl="1"/>
+            <a:r>
+              <a:rPr lang="en-US" dirty="0" err="1" smtClean="0"/>
+              <a:t>Clarabridge</a:t>
+            </a:r>
+            <a:r>
+              <a:rPr lang="en-US" dirty="0" smtClean="0"/>
+              <a:t> department-specific dashboards to get the customer pain points to the right people</a:t>
+            </a:r>
+          </a:p>
+          <a:p>
+            <a:pPr lvl="1"/>
+            <a:r>
+              <a:rPr lang="en-US" dirty="0" smtClean="0"/>
+              <a:t>Goal tracking</a:t>
+            </a:r>
           </a:p>
         </p:txBody>
       </p:sp>
@@ -5835,24 +6586,28 @@
         </p:nvSpPr>
         <p:spPr/>
         <p:txBody>
-          <a:bodyPr/>
+          <a:bodyPr>
+            <a:normAutofit/>
+          </a:bodyPr>
           <a:lstStyle/>
           <a:p>
             <a:r>
               <a:rPr lang="en-US" dirty="0" smtClean="0"/>
-              <a:t>Gather sources</a:t>
-            </a:r>
-          </a:p>
-          <a:p>
-            <a:r>
-              <a:rPr lang="en-US" dirty="0" smtClean="0"/>
-              <a:t>Add additional data points to capture more specific data</a:t>
-            </a:r>
-          </a:p>
-          <a:p>
-            <a:r>
-              <a:rPr lang="en-US" dirty="0" smtClean="0"/>
-              <a:t>Pull data into </a:t>
+              <a:t>Set goals and objectives</a:t>
+            </a:r>
+          </a:p>
+          <a:p>
+            <a:r>
+              <a:rPr lang="en-US" dirty="0" smtClean="0"/>
+              <a:t>Gather requirements </a:t>
+            </a:r>
+            <a:r>
+              <a:rPr lang="mr-IN" dirty="0" smtClean="0"/>
+              <a:t>–</a:t>
+            </a:r>
+            <a:r>
+              <a:rPr lang="en-US" dirty="0" smtClean="0"/>
+              <a:t> how will </a:t>
             </a:r>
             <a:r>
               <a:rPr lang="en-US" dirty="0" err="1" smtClean="0"/>
@@ -5860,39 +6615,92 @@
             </a:r>
             <a:r>
               <a:rPr lang="en-US" dirty="0" smtClean="0"/>
-              <a:t> for analysis and create custom dashboards for different departments</a:t>
-            </a:r>
-          </a:p>
-          <a:p>
+              <a:t> help you reach your goals?</a:t>
+            </a:r>
+          </a:p>
+          <a:p>
+            <a:r>
+              <a:rPr lang="en-US" dirty="0" smtClean="0"/>
+              <a:t>Develop implementation plan</a:t>
+            </a:r>
+          </a:p>
+          <a:p>
+            <a:pPr lvl="1"/>
+            <a:r>
+              <a:rPr lang="en-US" dirty="0" smtClean="0"/>
+              <a:t>Customization of industry models/categorization</a:t>
+            </a:r>
+          </a:p>
+          <a:p>
+            <a:pPr lvl="1"/>
+            <a:r>
+              <a:rPr lang="en-US" dirty="0" smtClean="0"/>
+              <a:t>Identify feedback sources to integrate to capture additional data</a:t>
+            </a:r>
+          </a:p>
+          <a:p>
+            <a:pPr lvl="1"/>
+            <a:r>
+              <a:rPr lang="en-US" dirty="0" smtClean="0"/>
+              <a:t>Identify additional </a:t>
+            </a:r>
+            <a:r>
+              <a:rPr lang="en-US" dirty="0" err="1" smtClean="0"/>
+              <a:t>touchpoints</a:t>
+            </a:r>
+            <a:r>
+              <a:rPr lang="en-US" dirty="0" smtClean="0"/>
+              <a:t> to implement</a:t>
+            </a:r>
+          </a:p>
+          <a:p>
+            <a:pPr lvl="1"/>
+            <a:r>
+              <a:rPr lang="en-US" dirty="0" smtClean="0"/>
+              <a:t>Plan department dashboards</a:t>
+            </a:r>
+          </a:p>
+          <a:p>
+            <a:r>
+              <a:rPr lang="en-US" dirty="0" smtClean="0"/>
+              <a:t>Work the plan</a:t>
+            </a:r>
+          </a:p>
+          <a:p>
+            <a:r>
+              <a:rPr lang="en-US" dirty="0" smtClean="0"/>
+              <a:t>Go live</a:t>
+            </a:r>
+          </a:p>
+          <a:p>
+            <a:r>
+              <a:rPr lang="en-US" dirty="0" smtClean="0"/>
+              <a:t>Measure </a:t>
+            </a:r>
             <a:r>
               <a:rPr lang="en-US" dirty="0"/>
-              <a:t>Set goals for the organization and provide </a:t>
-            </a:r>
-            <a:r>
-              <a:rPr lang="en-US" dirty="0" err="1"/>
+              <a:t>progress against goals </a:t>
+            </a:r>
+            <a:r>
+              <a:rPr lang="en-US" dirty="0" smtClean="0"/>
+              <a:t>through </a:t>
+            </a:r>
+            <a:r>
+              <a:rPr lang="en-US" dirty="0" err="1" smtClean="0"/>
               <a:t>Clarabridge</a:t>
             </a:r>
             <a:r>
+              <a:rPr lang="en-US" dirty="0" smtClean="0"/>
+              <a:t> and </a:t>
+            </a:r>
+            <a:r>
               <a:rPr lang="en-US" dirty="0"/>
-              <a:t> solutions to gather data to measure those goals and dashboards for all levels of the organization to track progress.</a:t>
-            </a:r>
-          </a:p>
-          <a:p>
-            <a:r>
-              <a:rPr lang="en-US" dirty="0"/>
-              <a:t>Measure progress against goals and see an uptick in online review ratings.</a:t>
-            </a:r>
-          </a:p>
-          <a:p>
-            <a:endParaRPr lang="en-US" dirty="0" smtClean="0"/>
-          </a:p>
-          <a:p>
-            <a:r>
-              <a:rPr lang="en-US" dirty="0"/>
-              <a:t>Identify customer touch points where we need to capture more data to further detail problem areas and to measure progress.</a:t>
-            </a:r>
-          </a:p>
-          <a:p>
+              <a:t>see an uptick in online review ratings</a:t>
+            </a:r>
+            <a:r>
+              <a:rPr lang="en-US" dirty="0" smtClean="0"/>
+              <a:t>.</a:t>
+            </a:r>
             <a:endParaRPr lang="en-US" dirty="0"/>
           </a:p>
         </p:txBody>
@@ -6174,7 +6982,7 @@
           <p:nvPr>
             <p:extLst>
               <p:ext uri="{D42A27DB-BD31-4B8C-83A1-F6EECF244321}">
-                <p14:modId xmlns:p14="http://schemas.microsoft.com/office/powerpoint/2010/main" val="1034982579"/>
+                <p14:modId xmlns:p14="http://schemas.microsoft.com/office/powerpoint/2010/main" val="1668784624"/>
               </p:ext>
             </p:extLst>
           </p:nvPr>
@@ -6187,7 +6995,7 @@
           <a:graphicData uri="http://schemas.openxmlformats.org/presentationml/2006/ole">
             <mc:AlternateContent xmlns:mc="http://schemas.openxmlformats.org/markup-compatibility/2006">
               <mc:Choice xmlns:v="urn:schemas-microsoft-com:vml" Requires="v">
-                <p:oleObj spid="_x0000_s1088" name="Worksheet" showAsIcon="1" r:id="rId3" imgW="635000" imgH="558800" progId="Excel.Sheet.12">
+                <p:oleObj spid="_x0000_s1109" name="Worksheet" showAsIcon="1" r:id="rId3" imgW="635000" imgH="558800" progId="Excel.Sheet.12">
                   <p:embed/>
                 </p:oleObj>
               </mc:Choice>
@@ -6608,7 +7416,7 @@
         <p:spPr/>
         <p:txBody>
           <a:bodyPr>
-            <a:normAutofit fontScale="92500" lnSpcReduction="10000"/>
+            <a:normAutofit fontScale="92500"/>
           </a:bodyPr>
           <a:lstStyle/>
           <a:p>
@@ -6620,7 +7428,7 @@
           <a:p>
             <a:r>
               <a:rPr lang="en-US" dirty="0" smtClean="0"/>
-              <a:t>Work with the client to define their requirements, develop the best solution, and build the solution using the </a:t>
+              <a:t>Work with the client to define their requirements, develop the best solution, and build the solution using </a:t>
             </a:r>
             <a:r>
               <a:rPr lang="en-US" dirty="0" err="1" smtClean="0"/>
@@ -6628,7 +7436,7 @@
             </a:r>
             <a:r>
               <a:rPr lang="en-US" dirty="0" smtClean="0"/>
-              <a:t> engagement framework.</a:t>
+              <a:t> Analytics.</a:t>
             </a:r>
           </a:p>
           <a:p>
@@ -6648,7 +7456,7 @@
           <a:p>
             <a:r>
               <a:rPr lang="en-US" dirty="0" smtClean="0"/>
-              <a:t>Mange the implementation of the </a:t>
+              <a:t>Manage the implementation of the </a:t>
             </a:r>
             <a:r>
               <a:rPr lang="en-US" dirty="0" err="1" smtClean="0"/>
@@ -6664,7 +7472,7 @@
             </a:r>
             <a:r>
               <a:rPr lang="en-US" dirty="0" smtClean="0"/>
-              <a:t> develop a project plan and work closely with the business and technical consultant to complete it.</a:t>
+              <a:t> develop a project plan and work closely with the business and technical consultant to complete it. Manage staffing and status reporting.</a:t>
             </a:r>
           </a:p>
           <a:p>
@@ -6731,7 +7539,7 @@
           <a:p>
             <a:r>
               <a:rPr lang="en-US" dirty="0" smtClean="0"/>
-              <a:t>Engagement manger role</a:t>
+              <a:t>Engagement manager role</a:t>
             </a:r>
             <a:endParaRPr lang="en-US" dirty="0"/>
           </a:p>
@@ -8296,7 +9104,7 @@
         </p:nvSpPr>
         <p:spPr>
           <a:xfrm>
-            <a:off x="3733800" y="3733800"/>
+            <a:off x="3657600" y="3810000"/>
             <a:ext cx="5181600" cy="1828800"/>
           </a:xfrm>
           <a:prstGeom prst="wedgeRoundRectCallout">
@@ -8328,20 +9136,8 @@
               <a:t>The staff are very </a:t>
             </a:r>
             <a:r>
-              <a:rPr lang="en-US" sz="2400" dirty="0" err="1" smtClean="0"/>
-              <a:t>accomodating</a:t>
-            </a:r>
-            <a:r>
               <a:rPr lang="en-US" sz="2400" dirty="0" smtClean="0"/>
-              <a:t> [</a:t>
-            </a:r>
-            <a:r>
-              <a:rPr lang="en-US" sz="2400" i="1" dirty="0" smtClean="0"/>
-              <a:t>sic</a:t>
-            </a:r>
-            <a:r>
-              <a:rPr lang="en-US" sz="2400" dirty="0" smtClean="0"/>
-              <a:t>] and </a:t>
+              <a:t>accommodating and </a:t>
             </a:r>
             <a:r>
               <a:rPr lang="en-US" sz="2400" dirty="0"/>
@@ -9408,7 +10204,7 @@
             </a:r>
             <a:r>
               <a:rPr lang="en-US" dirty="0" smtClean="0"/>
-              <a:t> unresponsive to requests/complaints or is rude</a:t>
+              <a:t> unresponsive to requests/complaints or is perceived as rude</a:t>
             </a:r>
           </a:p>
           <a:p>

--- a/20191009_ace_presentation.pptx
+++ b/20191009_ace_presentation.pptx
@@ -5,7 +5,7 @@
     <p:sldMasterId id="2147483660" r:id="rId1"/>
   </p:sldMasterIdLst>
   <p:notesMasterIdLst>
-    <p:notesMasterId r:id="rId21"/>
+    <p:notesMasterId r:id="rId22"/>
   </p:notesMasterIdLst>
   <p:sldIdLst>
     <p:sldId id="257" r:id="rId2"/>
@@ -21,12 +21,13 @@
     <p:sldId id="277" r:id="rId12"/>
     <p:sldId id="278" r:id="rId13"/>
     <p:sldId id="282" r:id="rId14"/>
-    <p:sldId id="279" r:id="rId15"/>
-    <p:sldId id="269" r:id="rId16"/>
-    <p:sldId id="281" r:id="rId17"/>
-    <p:sldId id="262" r:id="rId18"/>
-    <p:sldId id="265" r:id="rId19"/>
-    <p:sldId id="266" r:id="rId20"/>
+    <p:sldId id="283" r:id="rId15"/>
+    <p:sldId id="279" r:id="rId16"/>
+    <p:sldId id="269" r:id="rId17"/>
+    <p:sldId id="281" r:id="rId18"/>
+    <p:sldId id="262" r:id="rId19"/>
+    <p:sldId id="265" r:id="rId20"/>
+    <p:sldId id="266" r:id="rId21"/>
   </p:sldIdLst>
   <p:sldSz cx="9144000" cy="6858000" type="screen4x3"/>
   <p:notesSz cx="6858000" cy="9144000"/>
@@ -558,7 +559,7 @@
           <a:p>
             <a:fld id="{A6AF54F5-F1FB-A141-87D8-A9E97BBF5668}" type="slidenum">
               <a:rPr lang="en-US" smtClean="0"/>
-              <a:t>19</a:t>
+              <a:t>20</a:t>
             </a:fld>
             <a:endParaRPr lang="en-US"/>
           </a:p>
@@ -4586,36 +4587,6 @@
               <a:t>Where are the negative reviews coming from?</a:t>
             </a:r>
             <a:endParaRPr lang="en-US" dirty="0"/>
-          </a:p>
-        </p:txBody>
-      </p:sp>
-      <p:sp>
-        <p:nvSpPr>
-          <p:cNvPr id="5" name="TextBox 4"/>
-          <p:cNvSpPr txBox="1"/>
-          <p:nvPr/>
-        </p:nvSpPr>
-        <p:spPr>
-          <a:xfrm>
-            <a:off x="457200" y="5791200"/>
-            <a:ext cx="7086600" cy="338554"/>
-          </a:xfrm>
-          <a:prstGeom prst="rect">
-            <a:avLst/>
-          </a:prstGeom>
-          <a:noFill/>
-        </p:spPr>
-        <p:txBody>
-          <a:bodyPr wrap="square" rtlCol="0">
-            <a:spAutoFit/>
-          </a:bodyPr>
-          <a:lstStyle/>
-          <a:p>
-            <a:r>
-              <a:rPr lang="en-US" sz="1600" dirty="0" smtClean="0"/>
-              <a:t>Additional attributes = Gender, Hotel, NPS Level</a:t>
-            </a:r>
-            <a:endParaRPr lang="en-US" sz="1600" dirty="0"/>
           </a:p>
         </p:txBody>
       </p:sp>
@@ -6387,126 +6358,76 @@
         <p:spPr/>
         <p:txBody>
           <a:bodyPr>
-            <a:normAutofit fontScale="92500" lnSpcReduction="10000"/>
+            <a:normAutofit/>
           </a:bodyPr>
           <a:lstStyle/>
           <a:p>
-            <a:r>
-              <a:rPr lang="en-US" dirty="0" smtClean="0"/>
-              <a:t>Customer reviews</a:t>
+            <a:endParaRPr lang="en-US" sz="2800" dirty="0" smtClean="0"/>
+          </a:p>
+          <a:p>
+            <a:r>
+              <a:rPr lang="en-US" sz="2400" dirty="0" smtClean="0"/>
+              <a:t>We have identified:</a:t>
             </a:r>
           </a:p>
           <a:p>
             <a:pPr lvl="1"/>
             <a:r>
-              <a:rPr lang="en-US" dirty="0" smtClean="0"/>
-              <a:t>Add more sources to collect review data from all channels </a:t>
-            </a:r>
-            <a:r>
-              <a:rPr lang="mr-IN" dirty="0" smtClean="0"/>
-              <a:t>–</a:t>
-            </a:r>
-            <a:r>
-              <a:rPr lang="en-US" dirty="0" smtClean="0"/>
-              <a:t> </a:t>
-            </a:r>
-            <a:r>
-              <a:rPr lang="en-US" dirty="0"/>
-              <a:t>F</a:t>
-            </a:r>
-            <a:r>
-              <a:rPr lang="en-US" dirty="0" smtClean="0"/>
-              <a:t>acebook, Yelp, etc.</a:t>
+              <a:rPr lang="en-US" sz="2000" dirty="0" smtClean="0"/>
+              <a:t>Overall highlights and pain points</a:t>
             </a:r>
           </a:p>
           <a:p>
             <a:pPr lvl="1"/>
-            <a:endParaRPr lang="en-US" dirty="0"/>
-          </a:p>
-          <a:p>
-            <a:r>
-              <a:rPr lang="en-US" dirty="0" err="1" smtClean="0"/>
-              <a:t>Touchpoints</a:t>
-            </a:r>
-            <a:endParaRPr lang="en-US" dirty="0" smtClean="0"/>
+            <a:r>
+              <a:rPr lang="en-US" sz="2000" dirty="0" smtClean="0"/>
+              <a:t>Customer segments with greatest impact on lowering average review rating</a:t>
+            </a:r>
           </a:p>
           <a:p>
             <a:pPr lvl="1"/>
             <a:r>
-              <a:rPr lang="en-US" dirty="0" smtClean="0"/>
-              <a:t>Reservation system surveys/reviews</a:t>
+              <a:rPr lang="en-US" sz="2000" dirty="0" smtClean="0"/>
+              <a:t>Specific pain points of those customer segments</a:t>
+            </a:r>
+          </a:p>
+          <a:p>
+            <a:endParaRPr lang="en-US" sz="2400" dirty="0" smtClean="0"/>
+          </a:p>
+          <a:p>
+            <a:r>
+              <a:rPr lang="en-US" sz="2400" dirty="0" smtClean="0"/>
+              <a:t>We need to:</a:t>
             </a:r>
           </a:p>
           <a:p>
             <a:pPr lvl="1"/>
             <a:r>
-              <a:rPr lang="en-US" dirty="0" smtClean="0"/>
-              <a:t>In-hotel reviews</a:t>
+              <a:rPr lang="en-US" sz="2000" dirty="0" smtClean="0"/>
+              <a:t>Gather additional data</a:t>
             </a:r>
           </a:p>
           <a:p>
             <a:pPr lvl="1"/>
             <a:r>
-              <a:rPr lang="en-US" dirty="0" smtClean="0"/>
-              <a:t>Reach out to loyalty members</a:t>
-            </a:r>
-            <a:endParaRPr lang="en-US" dirty="0"/>
+              <a:rPr lang="en-US" sz="2000" dirty="0" smtClean="0"/>
+              <a:t>Deliver the insights to those who can eliminate the pain</a:t>
+            </a:r>
           </a:p>
           <a:p>
             <a:pPr lvl="1"/>
-            <a:endParaRPr lang="en-US" dirty="0"/>
-          </a:p>
-          <a:p>
-            <a:r>
-              <a:rPr lang="en-US" dirty="0" smtClean="0"/>
-              <a:t>Categorization</a:t>
+            <a:r>
+              <a:rPr lang="en-US" sz="2000" dirty="0" smtClean="0"/>
+              <a:t>Set improvement goals</a:t>
             </a:r>
           </a:p>
           <a:p>
             <a:pPr lvl="1"/>
             <a:r>
-              <a:rPr lang="en-US" dirty="0" smtClean="0"/>
-              <a:t>7 categories currently identified</a:t>
-            </a:r>
-          </a:p>
-          <a:p>
-            <a:pPr lvl="1"/>
-            <a:r>
-              <a:rPr lang="en-US" dirty="0" err="1" smtClean="0"/>
-              <a:t>Clarabridge</a:t>
-            </a:r>
-            <a:r>
-              <a:rPr lang="en-US" dirty="0" smtClean="0"/>
-              <a:t> pre-built industry models and AI to further refine</a:t>
-            </a:r>
-          </a:p>
-          <a:p>
-            <a:pPr lvl="1"/>
-            <a:endParaRPr lang="en-US" dirty="0"/>
-          </a:p>
-          <a:p>
-            <a:r>
-              <a:rPr lang="en-US" dirty="0" smtClean="0"/>
-              <a:t>Dashboards</a:t>
-            </a:r>
-          </a:p>
-          <a:p>
-            <a:pPr lvl="1"/>
-            <a:r>
-              <a:rPr lang="en-US" dirty="0" err="1" smtClean="0"/>
-              <a:t>Clarabridge</a:t>
-            </a:r>
-            <a:r>
-              <a:rPr lang="en-US" dirty="0" smtClean="0"/>
-              <a:t> department-specific dashboards to get the customer pain points to the right people</a:t>
-            </a:r>
-          </a:p>
-          <a:p>
-            <a:pPr lvl="1"/>
-            <a:r>
-              <a:rPr lang="en-US" dirty="0" smtClean="0"/>
-              <a:t>Goal tracking</a:t>
-            </a:r>
+              <a:rPr lang="en-US" sz="2000" dirty="0" smtClean="0"/>
+              <a:t>Measure progress</a:t>
+            </a:r>
+            <a:endParaRPr lang="en-US" sz="2000" dirty="0"/>
           </a:p>
         </p:txBody>
       </p:sp>
@@ -6526,12 +6447,8 @@
           <a:lstStyle/>
           <a:p>
             <a:r>
-              <a:rPr lang="en-US" dirty="0" err="1" smtClean="0"/>
-              <a:t>Clarabridge</a:t>
-            </a:r>
-            <a:r>
-              <a:rPr lang="en-US" dirty="0" smtClean="0"/>
-              <a:t> recommendations</a:t>
+              <a:rPr lang="en-US" dirty="0" smtClean="0"/>
+              <a:t>Now what?</a:t>
             </a:r>
             <a:endParaRPr lang="en-US" dirty="0"/>
           </a:p>
@@ -6540,7 +6457,7 @@
     </p:spTree>
     <p:extLst>
       <p:ext uri="{BB962C8B-B14F-4D97-AF65-F5344CB8AC3E}">
-        <p14:creationId xmlns:p14="http://schemas.microsoft.com/office/powerpoint/2010/main" val="3005323427"/>
+        <p14:creationId xmlns:p14="http://schemas.microsoft.com/office/powerpoint/2010/main" val="789304127"/>
       </p:ext>
     </p:extLst>
   </p:cSld>
@@ -6587,19 +6504,20 @@
         <p:spPr/>
         <p:txBody>
           <a:bodyPr>
-            <a:normAutofit/>
+            <a:normAutofit fontScale="92500" lnSpcReduction="10000"/>
           </a:bodyPr>
           <a:lstStyle/>
           <a:p>
             <a:r>
               <a:rPr lang="en-US" dirty="0" smtClean="0"/>
-              <a:t>Set goals and objectives</a:t>
-            </a:r>
-          </a:p>
-          <a:p>
-            <a:r>
-              <a:rPr lang="en-US" dirty="0" smtClean="0"/>
-              <a:t>Gather requirements </a:t>
+              <a:t>Online reviews</a:t>
+            </a:r>
+          </a:p>
+          <a:p>
+            <a:pPr lvl="1"/>
+            <a:r>
+              <a:rPr lang="en-US" dirty="0" smtClean="0"/>
+              <a:t>Add more sources to collect review data from all channels </a:t>
             </a:r>
             <a:r>
               <a:rPr lang="mr-IN" dirty="0" smtClean="0"/>
@@ -6607,7 +6525,72 @@
             </a:r>
             <a:r>
               <a:rPr lang="en-US" dirty="0" smtClean="0"/>
-              <a:t> how will </a:t>
+              <a:t> </a:t>
+            </a:r>
+            <a:r>
+              <a:rPr lang="en-US" dirty="0"/>
+              <a:t>F</a:t>
+            </a:r>
+            <a:r>
+              <a:rPr lang="en-US" dirty="0" smtClean="0"/>
+              <a:t>acebook, Yelp, etc.</a:t>
+            </a:r>
+          </a:p>
+          <a:p>
+            <a:pPr lvl="1"/>
+            <a:endParaRPr lang="en-US" dirty="0"/>
+          </a:p>
+          <a:p>
+            <a:r>
+              <a:rPr lang="en-US" dirty="0" err="1" smtClean="0"/>
+              <a:t>Touchpoints</a:t>
+            </a:r>
+            <a:endParaRPr lang="en-US" dirty="0" smtClean="0"/>
+          </a:p>
+          <a:p>
+            <a:pPr lvl="1"/>
+            <a:r>
+              <a:rPr lang="en-US" dirty="0" smtClean="0"/>
+              <a:t>Post-booking customer satisfaction surveys</a:t>
+            </a:r>
+          </a:p>
+          <a:p>
+            <a:pPr lvl="1"/>
+            <a:r>
+              <a:rPr lang="en-US" dirty="0" smtClean="0"/>
+              <a:t>On-site surveys</a:t>
+            </a:r>
+          </a:p>
+          <a:p>
+            <a:pPr lvl="1"/>
+            <a:r>
+              <a:rPr lang="en-US" dirty="0" smtClean="0"/>
+              <a:t>Reach out to loyalty members</a:t>
+            </a:r>
+            <a:endParaRPr lang="en-US" dirty="0"/>
+          </a:p>
+          <a:p>
+            <a:pPr lvl="1"/>
+            <a:endParaRPr lang="en-US" dirty="0"/>
+          </a:p>
+          <a:p>
+            <a:r>
+              <a:rPr lang="en-US" dirty="0" smtClean="0"/>
+              <a:t>Categorization</a:t>
+            </a:r>
+          </a:p>
+          <a:p>
+            <a:pPr lvl="1"/>
+            <a:r>
+              <a:rPr lang="en-US" dirty="0" smtClean="0"/>
+              <a:t>7 categories currently identified</a:t>
+            </a:r>
+          </a:p>
+          <a:p>
+            <a:pPr lvl="1"/>
+            <a:r>
+              <a:rPr lang="en-US" dirty="0" smtClean="0"/>
+              <a:t>Further refine using </a:t>
             </a:r>
             <a:r>
               <a:rPr lang="en-US" dirty="0" err="1" smtClean="0"/>
@@ -6615,93 +6598,43 @@
             </a:r>
             <a:r>
               <a:rPr lang="en-US" dirty="0" smtClean="0"/>
-              <a:t> help you reach your goals?</a:t>
-            </a:r>
-          </a:p>
-          <a:p>
-            <a:r>
-              <a:rPr lang="en-US" dirty="0" smtClean="0"/>
-              <a:t>Develop implementation plan</a:t>
+              <a:t> pre-built industry models and AI</a:t>
             </a:r>
           </a:p>
           <a:p>
             <a:pPr lvl="1"/>
-            <a:r>
-              <a:rPr lang="en-US" dirty="0" smtClean="0"/>
-              <a:t>Customization of industry models/categorization</a:t>
+            <a:endParaRPr lang="en-US" dirty="0"/>
+          </a:p>
+          <a:p>
+            <a:r>
+              <a:rPr lang="en-US" dirty="0" smtClean="0"/>
+              <a:t>Deliver the data</a:t>
             </a:r>
           </a:p>
           <a:p>
             <a:pPr lvl="1"/>
             <a:r>
               <a:rPr lang="en-US" dirty="0" smtClean="0"/>
-              <a:t>Identify feedback sources to integrate to capture additional data</a:t>
+              <a:t>Share data across all departments</a:t>
             </a:r>
           </a:p>
           <a:p>
             <a:pPr lvl="1"/>
-            <a:r>
-              <a:rPr lang="en-US" dirty="0" smtClean="0"/>
-              <a:t>Identify additional </a:t>
-            </a:r>
-            <a:r>
-              <a:rPr lang="en-US" dirty="0" err="1" smtClean="0"/>
-              <a:t>touchpoints</a:t>
-            </a:r>
-            <a:r>
-              <a:rPr lang="en-US" dirty="0" smtClean="0"/>
-              <a:t> to implement</a:t>
-            </a:r>
-          </a:p>
-          <a:p>
-            <a:pPr lvl="1"/>
-            <a:r>
-              <a:rPr lang="en-US" dirty="0" smtClean="0"/>
-              <a:t>Plan department dashboards</a:t>
-            </a:r>
-          </a:p>
-          <a:p>
-            <a:r>
-              <a:rPr lang="en-US" dirty="0" smtClean="0"/>
-              <a:t>Work the plan</a:t>
-            </a:r>
-          </a:p>
-          <a:p>
-            <a:r>
-              <a:rPr lang="en-US" dirty="0" smtClean="0"/>
-              <a:t>Go live</a:t>
-            </a:r>
-          </a:p>
-          <a:p>
-            <a:r>
-              <a:rPr lang="en-US" dirty="0" smtClean="0"/>
-              <a:t>Measure </a:t>
-            </a:r>
-            <a:r>
-              <a:rPr lang="en-US" dirty="0"/>
-              <a:t>progress against goals </a:t>
-            </a:r>
-            <a:r>
-              <a:rPr lang="en-US" dirty="0" smtClean="0"/>
-              <a:t>through </a:t>
-            </a:r>
             <a:r>
               <a:rPr lang="en-US" dirty="0" err="1" smtClean="0"/>
               <a:t>Clarabridge</a:t>
             </a:r>
             <a:r>
               <a:rPr lang="en-US" dirty="0" smtClean="0"/>
-              <a:t> and </a:t>
-            </a:r>
-            <a:r>
-              <a:rPr lang="en-US" dirty="0"/>
-              <a:t>see an uptick in online review ratings</a:t>
-            </a:r>
-            <a:r>
-              <a:rPr lang="en-US" dirty="0" smtClean="0"/>
-              <a:t>.</a:t>
-            </a:r>
-            <a:endParaRPr lang="en-US" dirty="0"/>
+              <a:t> department-specific dashboards</a:t>
+            </a:r>
+          </a:p>
+          <a:p>
+            <a:pPr lvl="1"/>
+            <a:r>
+              <a:rPr lang="en-US" dirty="0" smtClean="0"/>
+              <a:t>Goal tracking</a:t>
+            </a:r>
           </a:p>
         </p:txBody>
       </p:sp>
@@ -6726,15 +6659,7 @@
             </a:r>
             <a:r>
               <a:rPr lang="en-US" dirty="0" smtClean="0"/>
-              <a:t> implementation </a:t>
-            </a:r>
-            <a:r>
-              <a:rPr lang="en-US" dirty="0"/>
-              <a:t>p</a:t>
-            </a:r>
-            <a:r>
-              <a:rPr lang="en-US" dirty="0" smtClean="0"/>
-              <a:t>lan</a:t>
+              <a:t> recommendations</a:t>
             </a:r>
             <a:endParaRPr lang="en-US" dirty="0"/>
           </a:p>
@@ -6743,7 +6668,7 @@
     </p:spTree>
     <p:extLst>
       <p:ext uri="{BB962C8B-B14F-4D97-AF65-F5344CB8AC3E}">
-        <p14:creationId xmlns:p14="http://schemas.microsoft.com/office/powerpoint/2010/main" val="1934261440"/>
+        <p14:creationId xmlns:p14="http://schemas.microsoft.com/office/powerpoint/2010/main" val="3005323427"/>
       </p:ext>
     </p:extLst>
   </p:cSld>
@@ -6779,6 +6704,203 @@
       </p:grpSpPr>
       <p:sp>
         <p:nvSpPr>
+          <p:cNvPr id="2" name="Content Placeholder 1"/>
+          <p:cNvSpPr>
+            <a:spLocks noGrp="1"/>
+          </p:cNvSpPr>
+          <p:nvPr>
+            <p:ph idx="1"/>
+          </p:nvPr>
+        </p:nvSpPr>
+        <p:spPr/>
+        <p:txBody>
+          <a:bodyPr>
+            <a:normAutofit/>
+          </a:bodyPr>
+          <a:lstStyle/>
+          <a:p>
+            <a:r>
+              <a:rPr lang="en-US" dirty="0" smtClean="0"/>
+              <a:t>Set goals and objectives</a:t>
+            </a:r>
+          </a:p>
+          <a:p>
+            <a:r>
+              <a:rPr lang="en-US" dirty="0" smtClean="0"/>
+              <a:t>Gather requirements </a:t>
+            </a:r>
+            <a:r>
+              <a:rPr lang="mr-IN" dirty="0" smtClean="0"/>
+              <a:t>–</a:t>
+            </a:r>
+            <a:r>
+              <a:rPr lang="en-US" dirty="0" smtClean="0"/>
+              <a:t> how will </a:t>
+            </a:r>
+            <a:r>
+              <a:rPr lang="en-US" dirty="0" err="1" smtClean="0"/>
+              <a:t>Clarabridge</a:t>
+            </a:r>
+            <a:r>
+              <a:rPr lang="en-US" dirty="0" smtClean="0"/>
+              <a:t> help you reach your goals?</a:t>
+            </a:r>
+          </a:p>
+          <a:p>
+            <a:r>
+              <a:rPr lang="en-US" dirty="0" smtClean="0"/>
+              <a:t>Develop implementation plan</a:t>
+            </a:r>
+          </a:p>
+          <a:p>
+            <a:pPr lvl="1"/>
+            <a:r>
+              <a:rPr lang="en-US" dirty="0" smtClean="0"/>
+              <a:t>Customization of industry models/categorization</a:t>
+            </a:r>
+          </a:p>
+          <a:p>
+            <a:pPr lvl="1"/>
+            <a:r>
+              <a:rPr lang="en-US" dirty="0" smtClean="0"/>
+              <a:t>Identify feedback sources to integrate to capture additional data</a:t>
+            </a:r>
+          </a:p>
+          <a:p>
+            <a:pPr lvl="1"/>
+            <a:r>
+              <a:rPr lang="en-US" dirty="0" smtClean="0"/>
+              <a:t>Identify additional </a:t>
+            </a:r>
+            <a:r>
+              <a:rPr lang="en-US" dirty="0" err="1" smtClean="0"/>
+              <a:t>touchpoints</a:t>
+            </a:r>
+            <a:r>
+              <a:rPr lang="en-US" dirty="0" smtClean="0"/>
+              <a:t> to implement</a:t>
+            </a:r>
+          </a:p>
+          <a:p>
+            <a:pPr lvl="1"/>
+            <a:r>
+              <a:rPr lang="en-US" dirty="0" smtClean="0"/>
+              <a:t>Plan department dashboards</a:t>
+            </a:r>
+          </a:p>
+          <a:p>
+            <a:r>
+              <a:rPr lang="en-US" dirty="0" smtClean="0"/>
+              <a:t>Work the plan</a:t>
+            </a:r>
+          </a:p>
+          <a:p>
+            <a:r>
+              <a:rPr lang="en-US" dirty="0" smtClean="0"/>
+              <a:t>Measure </a:t>
+            </a:r>
+            <a:r>
+              <a:rPr lang="en-US" dirty="0"/>
+              <a:t>progress against goals </a:t>
+            </a:r>
+            <a:r>
+              <a:rPr lang="en-US" dirty="0" smtClean="0"/>
+              <a:t>through </a:t>
+            </a:r>
+            <a:r>
+              <a:rPr lang="en-US" dirty="0" err="1" smtClean="0"/>
+              <a:t>Clarabridge</a:t>
+            </a:r>
+            <a:r>
+              <a:rPr lang="en-US" dirty="0" smtClean="0"/>
+              <a:t> and </a:t>
+            </a:r>
+            <a:r>
+              <a:rPr lang="en-US" dirty="0"/>
+              <a:t>see an uptick in online review ratings</a:t>
+            </a:r>
+            <a:r>
+              <a:rPr lang="en-US" dirty="0" smtClean="0"/>
+              <a:t>.</a:t>
+            </a:r>
+            <a:endParaRPr lang="en-US" dirty="0"/>
+          </a:p>
+        </p:txBody>
+      </p:sp>
+      <p:sp>
+        <p:nvSpPr>
+          <p:cNvPr id="3" name="Title 2"/>
+          <p:cNvSpPr>
+            <a:spLocks noGrp="1"/>
+          </p:cNvSpPr>
+          <p:nvPr>
+            <p:ph type="title"/>
+          </p:nvPr>
+        </p:nvSpPr>
+        <p:spPr/>
+        <p:txBody>
+          <a:bodyPr/>
+          <a:lstStyle/>
+          <a:p>
+            <a:r>
+              <a:rPr lang="en-US" dirty="0" err="1" smtClean="0"/>
+              <a:t>Clarabridge</a:t>
+            </a:r>
+            <a:r>
+              <a:rPr lang="en-US" dirty="0" smtClean="0"/>
+              <a:t> implementation </a:t>
+            </a:r>
+            <a:r>
+              <a:rPr lang="en-US" dirty="0"/>
+              <a:t>p</a:t>
+            </a:r>
+            <a:r>
+              <a:rPr lang="en-US" dirty="0" smtClean="0"/>
+              <a:t>lan</a:t>
+            </a:r>
+            <a:endParaRPr lang="en-US" dirty="0"/>
+          </a:p>
+        </p:txBody>
+      </p:sp>
+    </p:spTree>
+    <p:extLst>
+      <p:ext uri="{BB962C8B-B14F-4D97-AF65-F5344CB8AC3E}">
+        <p14:creationId xmlns:p14="http://schemas.microsoft.com/office/powerpoint/2010/main" val="1934261440"/>
+      </p:ext>
+    </p:extLst>
+  </p:cSld>
+  <p:clrMapOvr>
+    <a:masterClrMapping/>
+  </p:clrMapOvr>
+  <p:timing>
+    <p:tnLst>
+      <p:par>
+        <p:cTn xmlns:p14="http://schemas.microsoft.com/office/powerpoint/2010/main" id="1" dur="indefinite" restart="never" nodeType="tmRoot"/>
+      </p:par>
+    </p:tnLst>
+  </p:timing>
+</p:sld>
+</file>
+
+<file path=ppt/slides/slide17.xml><?xml version="1.0" encoding="utf-8"?>
+<p:sld xmlns:a="http://schemas.openxmlformats.org/drawingml/2006/main" xmlns:r="http://schemas.openxmlformats.org/officeDocument/2006/relationships" xmlns:p="http://schemas.openxmlformats.org/presentationml/2006/main">
+  <p:cSld>
+    <p:spTree>
+      <p:nvGrpSpPr>
+        <p:cNvPr id="1" name=""/>
+        <p:cNvGrpSpPr/>
+        <p:nvPr/>
+      </p:nvGrpSpPr>
+      <p:grpSpPr>
+        <a:xfrm>
+          <a:off x="0" y="0"/>
+          <a:ext cx="0" cy="0"/>
+          <a:chOff x="0" y="0"/>
+          <a:chExt cx="0" cy="0"/>
+        </a:xfrm>
+      </p:grpSpPr>
+      <p:sp>
+        <p:nvSpPr>
           <p:cNvPr id="2" name="Title 1"/>
           <p:cNvSpPr>
             <a:spLocks noGrp="1"/>
@@ -6849,7 +6971,7 @@
 </p:sld>
 </file>
 
-<file path=ppt/slides/slide17.xml><?xml version="1.0" encoding="utf-8"?>
+<file path=ppt/slides/slide18.xml><?xml version="1.0" encoding="utf-8"?>
 <p:sld xmlns:a="http://schemas.openxmlformats.org/drawingml/2006/main" xmlns:r="http://schemas.openxmlformats.org/officeDocument/2006/relationships" xmlns:p="http://schemas.openxmlformats.org/presentationml/2006/main">
   <p:cSld>
     <p:spTree>
@@ -6982,7 +7104,7 @@
           <p:nvPr>
             <p:extLst>
               <p:ext uri="{D42A27DB-BD31-4B8C-83A1-F6EECF244321}">
-                <p14:modId xmlns:p14="http://schemas.microsoft.com/office/powerpoint/2010/main" val="1668784624"/>
+                <p14:modId xmlns:p14="http://schemas.microsoft.com/office/powerpoint/2010/main" val="1223780865"/>
               </p:ext>
             </p:extLst>
           </p:nvPr>
@@ -6995,7 +7117,7 @@
           <a:graphicData uri="http://schemas.openxmlformats.org/presentationml/2006/ole">
             <mc:AlternateContent xmlns:mc="http://schemas.openxmlformats.org/markup-compatibility/2006">
               <mc:Choice xmlns:v="urn:schemas-microsoft-com:vml" Requires="v">
-                <p:oleObj spid="_x0000_s1109" name="Worksheet" showAsIcon="1" r:id="rId3" imgW="635000" imgH="558800" progId="Excel.Sheet.12">
+                <p:oleObj spid="_x0000_s1119" name="Worksheet" showAsIcon="1" r:id="rId3" imgW="635000" imgH="558800" progId="Excel.Sheet.12">
                   <p:embed/>
                 </p:oleObj>
               </mc:Choice>
@@ -7050,7 +7172,7 @@
 </p:sld>
 </file>
 
-<file path=ppt/slides/slide18.xml><?xml version="1.0" encoding="utf-8"?>
+<file path=ppt/slides/slide19.xml><?xml version="1.0" encoding="utf-8"?>
 <p:sld xmlns:a="http://schemas.openxmlformats.org/drawingml/2006/main" xmlns:r="http://schemas.openxmlformats.org/officeDocument/2006/relationships" xmlns:p="http://schemas.openxmlformats.org/presentationml/2006/main">
   <p:cSld>
     <p:spTree>
@@ -7200,183 +7322,6 @@
     <p:extLst>
       <p:ext uri="{BB962C8B-B14F-4D97-AF65-F5344CB8AC3E}">
         <p14:creationId xmlns:p14="http://schemas.microsoft.com/office/powerpoint/2010/main" val="3354460241"/>
-      </p:ext>
-    </p:extLst>
-  </p:cSld>
-  <p:clrMapOvr>
-    <a:masterClrMapping/>
-  </p:clrMapOvr>
-</p:sld>
-</file>
-
-<file path=ppt/slides/slide19.xml><?xml version="1.0" encoding="utf-8"?>
-<p:sld xmlns:a="http://schemas.openxmlformats.org/drawingml/2006/main" xmlns:r="http://schemas.openxmlformats.org/officeDocument/2006/relationships" xmlns:p="http://schemas.openxmlformats.org/presentationml/2006/main">
-  <p:cSld>
-    <p:spTree>
-      <p:nvGrpSpPr>
-        <p:cNvPr id="1" name=""/>
-        <p:cNvGrpSpPr/>
-        <p:nvPr/>
-      </p:nvGrpSpPr>
-      <p:grpSpPr>
-        <a:xfrm>
-          <a:off x="0" y="0"/>
-          <a:ext cx="0" cy="0"/>
-          <a:chOff x="0" y="0"/>
-          <a:chExt cx="0" cy="0"/>
-        </a:xfrm>
-      </p:grpSpPr>
-      <p:sp>
-        <p:nvSpPr>
-          <p:cNvPr id="2" name="Content Placeholder 1"/>
-          <p:cNvSpPr>
-            <a:spLocks noGrp="1"/>
-          </p:cNvSpPr>
-          <p:nvPr>
-            <p:ph idx="1"/>
-          </p:nvPr>
-        </p:nvSpPr>
-        <p:spPr>
-          <a:xfrm>
-            <a:off x="347472" y="990600"/>
-            <a:ext cx="8644128" cy="5410200"/>
-          </a:xfrm>
-        </p:spPr>
-        <p:txBody>
-          <a:bodyPr>
-            <a:normAutofit fontScale="92500" lnSpcReduction="20000"/>
-          </a:bodyPr>
-          <a:lstStyle/>
-          <a:p>
-            <a:r>
-              <a:rPr lang="en-US" dirty="0"/>
-              <a:t>Get a good understanding about the Engagement Manger role as it relates to the Clarabridge offering</a:t>
-            </a:r>
-          </a:p>
-          <a:p>
-            <a:r>
-              <a:rPr lang="en-US" dirty="0"/>
-              <a:t>When analyzing the data you will be using for your insights, make sure you leverage both the structured data with the text feedback </a:t>
-            </a:r>
-          </a:p>
-          <a:p>
-            <a:pPr lvl="1"/>
-            <a:r>
-              <a:rPr lang="en-US" dirty="0">
-                <a:sym typeface="Wingdings" panose="05000000000000000000" pitchFamily="2" charset="2"/>
-              </a:rPr>
-              <a:t>Include visualizations on how you could leverage the qualitative data (open text) with the quantitative data (metrics, attributes) to create more powerful analytics.</a:t>
-            </a:r>
-            <a:endParaRPr lang="en-US" dirty="0"/>
-          </a:p>
-          <a:p>
-            <a:pPr lvl="1"/>
-            <a:r>
-              <a:rPr lang="en-US" dirty="0"/>
-              <a:t>Focus on customer segmentation </a:t>
-            </a:r>
-          </a:p>
-          <a:p>
-            <a:pPr lvl="2"/>
-            <a:r>
-              <a:rPr lang="en-US" dirty="0"/>
-              <a:t>Determine the highest spending guests </a:t>
-            </a:r>
-          </a:p>
-          <a:p>
-            <a:pPr lvl="2"/>
-            <a:r>
-              <a:rPr lang="en-US" dirty="0"/>
-              <a:t>Determine Hotel Brand(s) and/or Location(s) with highest share of Voice of Customer (VOC)</a:t>
-            </a:r>
-          </a:p>
-          <a:p>
-            <a:pPr lvl="1"/>
-            <a:r>
-              <a:rPr lang="en-US" dirty="0"/>
-              <a:t>Focus on pain points / highlights impacting guest satisfaction in the comments</a:t>
-            </a:r>
-          </a:p>
-          <a:p>
-            <a:pPr lvl="2"/>
-            <a:r>
-              <a:rPr lang="en-US" dirty="0"/>
-              <a:t>Key drivers of (dis)satisfaction like key pain points / high points for hotel guests and their impact on guest scores or sentiment</a:t>
-            </a:r>
-          </a:p>
-          <a:p>
-            <a:pPr lvl="1"/>
-            <a:r>
-              <a:rPr lang="en-US" dirty="0"/>
-              <a:t>Provide a strong argument for your insights and/or a powerful use case for what you are finding within the data.</a:t>
-            </a:r>
-          </a:p>
-          <a:p>
-            <a:pPr lvl="2"/>
-            <a:r>
-              <a:rPr lang="en-US" dirty="0"/>
-              <a:t>Use the data to tell a story with clear insights, key takeaways</a:t>
-            </a:r>
-          </a:p>
-          <a:p>
-            <a:pPr lvl="1"/>
-            <a:r>
-              <a:rPr lang="en-US" dirty="0"/>
-              <a:t>Be prepared to address your methodology for finding insights in the data</a:t>
-            </a:r>
-          </a:p>
-          <a:p>
-            <a:pPr lvl="2"/>
-            <a:r>
-              <a:rPr lang="en-US" dirty="0"/>
-              <a:t>Why you chose to segment customers in the manner you did and/or why you focused on one group over another. </a:t>
-            </a:r>
-          </a:p>
-          <a:p>
-            <a:pPr lvl="2"/>
-            <a:r>
-              <a:rPr lang="en-US" dirty="0"/>
-              <a:t>How do you go about creating these touchpoints (i.e. check in, room experience, hotel location) </a:t>
-            </a:r>
-          </a:p>
-          <a:p>
-            <a:r>
-              <a:rPr lang="en-US" dirty="0"/>
-              <a:t>Illustrate the Initial Project Plan and Vision for the Customer’s long term adoption plan using the Clarabridge solution</a:t>
-            </a:r>
-          </a:p>
-          <a:p>
-            <a:pPr lvl="1"/>
-            <a:endParaRPr lang="en-US" dirty="0"/>
-          </a:p>
-        </p:txBody>
-      </p:sp>
-      <p:sp>
-        <p:nvSpPr>
-          <p:cNvPr id="3" name="Title 2"/>
-          <p:cNvSpPr>
-            <a:spLocks noGrp="1"/>
-          </p:cNvSpPr>
-          <p:nvPr>
-            <p:ph type="title"/>
-          </p:nvPr>
-        </p:nvSpPr>
-        <p:spPr/>
-        <p:txBody>
-          <a:bodyPr/>
-          <a:lstStyle/>
-          <a:p>
-            <a:r>
-              <a:rPr lang="en-US" dirty="0"/>
-              <a:t>Presentation Recommendations</a:t>
-            </a:r>
-          </a:p>
-        </p:txBody>
-      </p:sp>
-    </p:spTree>
-    <p:extLst>
-      <p:ext uri="{BB962C8B-B14F-4D97-AF65-F5344CB8AC3E}">
-        <p14:creationId xmlns:p14="http://schemas.microsoft.com/office/powerpoint/2010/main" val="2784247470"/>
       </p:ext>
     </p:extLst>
   </p:cSld>
@@ -7472,13 +7417,13 @@
             </a:r>
             <a:r>
               <a:rPr lang="en-US" dirty="0" smtClean="0"/>
-              <a:t> develop a project plan and work closely with the business and technical consultant to complete it. Manage staffing and status reporting.</a:t>
-            </a:r>
-          </a:p>
-          <a:p>
-            <a:r>
-              <a:rPr lang="en-US" dirty="0" smtClean="0"/>
-              <a:t>Represent the client’s interest to the </a:t>
+              <a:t> develop a project plan and work closely with the business and technical consultants to complete it. Manage staffing and status reporting.</a:t>
+            </a:r>
+          </a:p>
+          <a:p>
+            <a:r>
+              <a:rPr lang="en-US" dirty="0" smtClean="0"/>
+              <a:t>Represent the client’s interests to the </a:t>
             </a:r>
             <a:r>
               <a:rPr lang="en-US" dirty="0" err="1" smtClean="0"/>
@@ -7486,7 +7431,7 @@
             </a:r>
             <a:r>
               <a:rPr lang="en-US" dirty="0" smtClean="0"/>
-              <a:t> product team to continuously improve the software.</a:t>
+              <a:t> product team to continually improve the software.</a:t>
             </a:r>
           </a:p>
           <a:p>
@@ -7562,6 +7507,183 @@
       </p:par>
     </p:tnLst>
   </p:timing>
+</p:sld>
+</file>
+
+<file path=ppt/slides/slide20.xml><?xml version="1.0" encoding="utf-8"?>
+<p:sld xmlns:a="http://schemas.openxmlformats.org/drawingml/2006/main" xmlns:r="http://schemas.openxmlformats.org/officeDocument/2006/relationships" xmlns:p="http://schemas.openxmlformats.org/presentationml/2006/main">
+  <p:cSld>
+    <p:spTree>
+      <p:nvGrpSpPr>
+        <p:cNvPr id="1" name=""/>
+        <p:cNvGrpSpPr/>
+        <p:nvPr/>
+      </p:nvGrpSpPr>
+      <p:grpSpPr>
+        <a:xfrm>
+          <a:off x="0" y="0"/>
+          <a:ext cx="0" cy="0"/>
+          <a:chOff x="0" y="0"/>
+          <a:chExt cx="0" cy="0"/>
+        </a:xfrm>
+      </p:grpSpPr>
+      <p:sp>
+        <p:nvSpPr>
+          <p:cNvPr id="2" name="Content Placeholder 1"/>
+          <p:cNvSpPr>
+            <a:spLocks noGrp="1"/>
+          </p:cNvSpPr>
+          <p:nvPr>
+            <p:ph idx="1"/>
+          </p:nvPr>
+        </p:nvSpPr>
+        <p:spPr>
+          <a:xfrm>
+            <a:off x="347472" y="990600"/>
+            <a:ext cx="8644128" cy="5410200"/>
+          </a:xfrm>
+        </p:spPr>
+        <p:txBody>
+          <a:bodyPr>
+            <a:normAutofit fontScale="92500" lnSpcReduction="20000"/>
+          </a:bodyPr>
+          <a:lstStyle/>
+          <a:p>
+            <a:r>
+              <a:rPr lang="en-US" dirty="0"/>
+              <a:t>Get a good understanding about the Engagement Manger role as it relates to the Clarabridge offering</a:t>
+            </a:r>
+          </a:p>
+          <a:p>
+            <a:r>
+              <a:rPr lang="en-US" dirty="0"/>
+              <a:t>When analyzing the data you will be using for your insights, make sure you leverage both the structured data with the text feedback </a:t>
+            </a:r>
+          </a:p>
+          <a:p>
+            <a:pPr lvl="1"/>
+            <a:r>
+              <a:rPr lang="en-US" dirty="0">
+                <a:sym typeface="Wingdings" panose="05000000000000000000" pitchFamily="2" charset="2"/>
+              </a:rPr>
+              <a:t>Include visualizations on how you could leverage the qualitative data (open text) with the quantitative data (metrics, attributes) to create more powerful analytics.</a:t>
+            </a:r>
+            <a:endParaRPr lang="en-US" dirty="0"/>
+          </a:p>
+          <a:p>
+            <a:pPr lvl="1"/>
+            <a:r>
+              <a:rPr lang="en-US" dirty="0"/>
+              <a:t>Focus on customer segmentation </a:t>
+            </a:r>
+          </a:p>
+          <a:p>
+            <a:pPr lvl="2"/>
+            <a:r>
+              <a:rPr lang="en-US" dirty="0"/>
+              <a:t>Determine the highest spending guests </a:t>
+            </a:r>
+          </a:p>
+          <a:p>
+            <a:pPr lvl="2"/>
+            <a:r>
+              <a:rPr lang="en-US" dirty="0"/>
+              <a:t>Determine Hotel Brand(s) and/or Location(s) with highest share of Voice of Customer (VOC)</a:t>
+            </a:r>
+          </a:p>
+          <a:p>
+            <a:pPr lvl="1"/>
+            <a:r>
+              <a:rPr lang="en-US" dirty="0"/>
+              <a:t>Focus on pain points / highlights impacting guest satisfaction in the comments</a:t>
+            </a:r>
+          </a:p>
+          <a:p>
+            <a:pPr lvl="2"/>
+            <a:r>
+              <a:rPr lang="en-US" dirty="0"/>
+              <a:t>Key drivers of (dis)satisfaction like key pain points / high points for hotel guests and their impact on guest scores or sentiment</a:t>
+            </a:r>
+          </a:p>
+          <a:p>
+            <a:pPr lvl="1"/>
+            <a:r>
+              <a:rPr lang="en-US" dirty="0"/>
+              <a:t>Provide a strong argument for your insights and/or a powerful use case for what you are finding within the data.</a:t>
+            </a:r>
+          </a:p>
+          <a:p>
+            <a:pPr lvl="2"/>
+            <a:r>
+              <a:rPr lang="en-US" dirty="0"/>
+              <a:t>Use the data to tell a story with clear insights, key takeaways</a:t>
+            </a:r>
+          </a:p>
+          <a:p>
+            <a:pPr lvl="1"/>
+            <a:r>
+              <a:rPr lang="en-US" dirty="0"/>
+              <a:t>Be prepared to address your methodology for finding insights in the data</a:t>
+            </a:r>
+          </a:p>
+          <a:p>
+            <a:pPr lvl="2"/>
+            <a:r>
+              <a:rPr lang="en-US" dirty="0"/>
+              <a:t>Why you chose to segment customers in the manner you did and/or why you focused on one group over another. </a:t>
+            </a:r>
+          </a:p>
+          <a:p>
+            <a:pPr lvl="2"/>
+            <a:r>
+              <a:rPr lang="en-US" dirty="0"/>
+              <a:t>How do you go about creating these touchpoints (i.e. check in, room experience, hotel location) </a:t>
+            </a:r>
+          </a:p>
+          <a:p>
+            <a:r>
+              <a:rPr lang="en-US" dirty="0"/>
+              <a:t>Illustrate the Initial Project Plan and Vision for the Customer’s long term adoption plan using the Clarabridge solution</a:t>
+            </a:r>
+          </a:p>
+          <a:p>
+            <a:pPr lvl="1"/>
+            <a:endParaRPr lang="en-US" dirty="0"/>
+          </a:p>
+        </p:txBody>
+      </p:sp>
+      <p:sp>
+        <p:nvSpPr>
+          <p:cNvPr id="3" name="Title 2"/>
+          <p:cNvSpPr>
+            <a:spLocks noGrp="1"/>
+          </p:cNvSpPr>
+          <p:nvPr>
+            <p:ph type="title"/>
+          </p:nvPr>
+        </p:nvSpPr>
+        <p:spPr/>
+        <p:txBody>
+          <a:bodyPr/>
+          <a:lstStyle/>
+          <a:p>
+            <a:r>
+              <a:rPr lang="en-US" dirty="0"/>
+              <a:t>Presentation Recommendations</a:t>
+            </a:r>
+          </a:p>
+        </p:txBody>
+      </p:sp>
+    </p:spTree>
+    <p:extLst>
+      <p:ext uri="{BB962C8B-B14F-4D97-AF65-F5344CB8AC3E}">
+        <p14:creationId xmlns:p14="http://schemas.microsoft.com/office/powerpoint/2010/main" val="2784247470"/>
+      </p:ext>
+    </p:extLst>
+  </p:cSld>
+  <p:clrMapOvr>
+    <a:masterClrMapping/>
+  </p:clrMapOvr>
 </p:sld>
 </file>
 
@@ -7915,15 +8037,23 @@
           <a:p>
             <a:pPr lvl="1"/>
             <a:r>
-              <a:rPr lang="en-US" dirty="0" smtClean="0"/>
-              <a:t>Male/Female</a:t>
+              <a:rPr lang="en-US" dirty="0"/>
+              <a:t>m</a:t>
+            </a:r>
+            <a:r>
+              <a:rPr lang="en-US" dirty="0" smtClean="0"/>
+              <a:t>ale/female</a:t>
             </a:r>
           </a:p>
           <a:p>
             <a:pPr lvl="1"/>
             <a:r>
-              <a:rPr lang="en-US" dirty="0" smtClean="0"/>
-              <a:t>Business/Leisure</a:t>
+              <a:rPr lang="en-US" dirty="0"/>
+              <a:t>b</a:t>
+            </a:r>
+            <a:r>
+              <a:rPr lang="en-US" dirty="0" smtClean="0"/>
+              <a:t>usiness/leisure</a:t>
             </a:r>
           </a:p>
           <a:p>
